--- a/img/tutorials/scvisualizer/img.pptx
+++ b/img/tutorials/scvisualizer/img.pptx
@@ -3163,7 +3163,7 @@
         </p:nvCxnSpPr>
         <p:spPr>
           <a:xfrm>
-            <a:off x="2251570" y="507693"/>
+            <a:off x="2177465" y="507693"/>
             <a:ext cx="2083951" cy="0"/>
           </a:xfrm>
           <a:prstGeom prst="straightConnector1">
@@ -3279,7 +3279,7 @@
         <p:spPr>
           <a:xfrm>
             <a:off x="6045972" y="1456173"/>
-            <a:ext cx="1080119" cy="307777"/>
+            <a:ext cx="1080119" cy="276999"/>
           </a:xfrm>
           <a:prstGeom prst="rect">
             <a:avLst/>
@@ -3293,10 +3293,10 @@
           <a:lstStyle/>
           <a:p>
             <a:r>
-              <a:rPr lang="de-AT" sz="1400" dirty="0" smtClean="0"/>
+              <a:rPr lang="de-AT" sz="1200" dirty="0" smtClean="0"/>
               <a:t>Source</a:t>
             </a:r>
-            <a:endParaRPr lang="de-AT" dirty="0"/>
+            <a:endParaRPr lang="de-AT" sz="1600" dirty="0"/>
           </a:p>
         </p:txBody>
       </p:sp>
@@ -3593,7 +3593,7 @@
         <p:spPr>
           <a:xfrm>
             <a:off x="6032872" y="140284"/>
-            <a:ext cx="1080119" cy="307777"/>
+            <a:ext cx="1080119" cy="276999"/>
           </a:xfrm>
           <a:prstGeom prst="rect">
             <a:avLst/>
@@ -3607,10 +3607,10 @@
           <a:lstStyle/>
           <a:p>
             <a:r>
-              <a:rPr lang="de-AT" sz="1400" dirty="0" smtClean="0"/>
+              <a:rPr lang="de-AT" sz="1200" dirty="0" smtClean="0"/>
               <a:t>Target</a:t>
             </a:r>
-            <a:endParaRPr lang="de-AT" dirty="0"/>
+            <a:endParaRPr lang="de-AT" sz="1600" dirty="0"/>
           </a:p>
         </p:txBody>
       </p:sp>
@@ -3668,15 +3668,7 @@
           <a:p>
             <a:r>
               <a:rPr lang="de-AT" sz="1600" dirty="0" smtClean="0"/>
-              <a:t>Go-live Date </a:t>
-            </a:r>
-            <a:r>
-              <a:rPr lang="de-AT" sz="1600" dirty="0" smtClean="0"/>
-              <a:t>: </a:t>
-            </a:r>
-            <a:r>
-              <a:rPr lang="de-AT" sz="1600" dirty="0" smtClean="0"/>
-              <a:t>Date</a:t>
+              <a:t>Go-live Date : Date</a:t>
             </a:r>
             <a:endParaRPr lang="de-AT" sz="1600" dirty="0"/>
           </a:p>
@@ -3690,7 +3682,7 @@
         </p:nvGrpSpPr>
         <p:grpSpPr>
           <a:xfrm>
-            <a:off x="109601" y="89377"/>
+            <a:off x="35496" y="89377"/>
             <a:ext cx="2143595" cy="836631"/>
             <a:chOff x="1653126" y="1681526"/>
             <a:chExt cx="2378070" cy="836631"/>
@@ -3982,8 +3974,8 @@
         </p:nvSpPr>
         <p:spPr>
           <a:xfrm>
-            <a:off x="2243469" y="198815"/>
-            <a:ext cx="1080119" cy="307777"/>
+            <a:off x="2174948" y="53680"/>
+            <a:ext cx="1080119" cy="461665"/>
           </a:xfrm>
           <a:prstGeom prst="rect">
             <a:avLst/>
@@ -3997,10 +3989,17 @@
           <a:lstStyle/>
           <a:p>
             <a:r>
-              <a:rPr lang="de-AT" sz="1400" dirty="0" smtClean="0"/>
-              <a:t>Domains</a:t>
-            </a:r>
-            <a:endParaRPr lang="de-AT" dirty="0"/>
+              <a:rPr lang="de-AT" sz="1200" dirty="0" err="1" smtClean="0"/>
+              <a:t>Application</a:t>
+            </a:r>
+            <a:endParaRPr lang="de-AT" sz="1200" dirty="0" smtClean="0"/>
+          </a:p>
+          <a:p>
+            <a:r>
+              <a:rPr lang="de-AT" sz="1200" dirty="0" err="1" smtClean="0"/>
+              <a:t>domain</a:t>
+            </a:r>
+            <a:endParaRPr lang="de-AT" sz="1600" dirty="0"/>
           </a:p>
         </p:txBody>
       </p:sp>
@@ -4012,8 +4011,8 @@
         </p:nvSpPr>
         <p:spPr>
           <a:xfrm>
-            <a:off x="1907704" y="1156279"/>
-            <a:ext cx="1080119" cy="307777"/>
+            <a:off x="1907248" y="1200800"/>
+            <a:ext cx="1080119" cy="276999"/>
           </a:xfrm>
           <a:prstGeom prst="rect">
             <a:avLst/>
@@ -4027,10 +4026,10 @@
           <a:lstStyle/>
           <a:p>
             <a:r>
-              <a:rPr lang="de-AT" sz="1400" dirty="0" smtClean="0"/>
+              <a:rPr lang="de-AT" sz="1200" dirty="0" smtClean="0"/>
               <a:t>Databases</a:t>
             </a:r>
-            <a:endParaRPr lang="de-AT" dirty="0"/>
+            <a:endParaRPr lang="de-AT" sz="1600" dirty="0"/>
           </a:p>
         </p:txBody>
       </p:sp>
@@ -4042,7 +4041,7 @@
         </p:nvSpPr>
         <p:spPr>
           <a:xfrm>
-            <a:off x="2253197" y="520813"/>
+            <a:off x="2179092" y="520813"/>
             <a:ext cx="504055" cy="307777"/>
           </a:xfrm>
           <a:prstGeom prst="rect">
@@ -4057,8 +4056,8 @@
           <a:lstStyle/>
           <a:p>
             <a:r>
-              <a:rPr lang="de-AT" sz="1400" dirty="0" smtClean="0"/>
-              <a:t>*</a:t>
+              <a:rPr lang="de-AT" sz="1400" smtClean="0"/>
+              <a:t>1</a:t>
             </a:r>
             <a:endParaRPr lang="de-AT" dirty="0"/>
           </a:p>
